--- a/Documentation/Project Presentation.pptx
+++ b/Documentation/Project Presentation.pptx
@@ -139,6 +139,9 @@
           </p14:sldIdLst>
         </p14:section>
       </p14:sectionLst>
+    </p:ext>
+    <p:ext uri="{EFAFB233-063F-42B5-8137-9DF3F51BA10A}">
+      <p15:sldGuideLst xmlns:p15="http://schemas.microsoft.com/office/powerpoint/2012/main"/>
     </p:ext>
   </p:extLst>
 </p:presentation>
@@ -5564,7 +5567,7 @@
           <a:p>
             <a:r>
               <a:rPr lang="en-GB" dirty="0"/>
-              <a:t>Comment on how this sprint went</a:t>
+              <a:t>Started sprint early, did not complete one user story – added to final sprint</a:t>
             </a:r>
           </a:p>
         </p:txBody>
@@ -5624,7 +5627,7 @@
           <a:p>
             <a:r>
               <a:rPr lang="en-GB" dirty="0"/>
-              <a:t>Comment on how this sprint went</a:t>
+              <a:t>Did not complete user story added from previous sprint.</a:t>
             </a:r>
           </a:p>
         </p:txBody>
@@ -5806,7 +5809,7 @@
             </a:pPr>
             <a:r>
               <a:rPr lang="en-GB" sz="1600" dirty="0"/>
-              <a:t>Completed all tasks in every sprint</a:t>
+              <a:t>Completed all tasks in 4/5 sprints</a:t>
             </a:r>
           </a:p>
           <a:p>
@@ -5931,7 +5934,7 @@
             </a:pPr>
             <a:r>
               <a:rPr lang="en-GB" dirty="0"/>
-              <a:t>Expand on idea: consider more ambitious goals</a:t>
+              <a:t>Ensure aims for project match timescale</a:t>
             </a:r>
           </a:p>
           <a:p>
@@ -6110,7 +6113,7 @@
           <a:p>
             <a:r>
               <a:rPr lang="en-GB" dirty="0"/>
-              <a:t>I am proud of…</a:t>
+              <a:t>What went well…</a:t>
             </a:r>
           </a:p>
           <a:p>
@@ -6123,44 +6126,8 @@
             </a:pPr>
             <a:r>
               <a:rPr lang="en-GB" dirty="0"/>
-              <a:t>Example</a:t>
-            </a:r>
-          </a:p>
-        </p:txBody>
-      </p:sp>
-      <p:sp>
-        <p:nvSpPr>
-          <p:cNvPr id="8" name="Text Placeholder 7">
-            <a:extLst>
-              <a:ext uri="{FF2B5EF4-FFF2-40B4-BE49-F238E27FC236}">
-                <a16:creationId xmlns:a16="http://schemas.microsoft.com/office/drawing/2014/main" id="{E079D67F-3BB7-2885-FEFD-CA3DAF9C6983}"/>
-              </a:ext>
-            </a:extLst>
-          </p:cNvPr>
-          <p:cNvSpPr>
-            <a:spLocks noGrp="1"/>
-          </p:cNvSpPr>
-          <p:nvPr>
-            <p:ph type="body" sz="quarter" idx="17"/>
-          </p:nvPr>
-        </p:nvSpPr>
-        <p:spPr>
-          <a:xfrm>
-            <a:off x="4563664" y="2550733"/>
-            <a:ext cx="3064668" cy="3894926"/>
-          </a:xfrm>
-        </p:spPr>
-        <p:txBody>
-          <a:bodyPr/>
-          <a:lstStyle/>
-          <a:p>
-            <a:r>
-              <a:rPr lang="en-GB" dirty="0"/>
-              <a:t>I can grow from…</a:t>
-            </a:r>
-          </a:p>
-          <a:p>
-            <a:endParaRPr lang="en-GB" dirty="0"/>
+              <a:t>Login page</a:t>
+            </a:r>
           </a:p>
           <a:p>
             <a:pPr marL="285750" indent="-285750">
@@ -6169,17 +6136,27 @@
             </a:pPr>
             <a:r>
               <a:rPr lang="en-GB" dirty="0"/>
-              <a:t>Example</a:t>
-            </a:r>
-          </a:p>
-        </p:txBody>
-      </p:sp>
-      <p:sp>
-        <p:nvSpPr>
-          <p:cNvPr id="9" name="Text Placeholder 8">
-            <a:extLst>
-              <a:ext uri="{FF2B5EF4-FFF2-40B4-BE49-F238E27FC236}">
-                <a16:creationId xmlns:a16="http://schemas.microsoft.com/office/drawing/2014/main" id="{068F1CAD-E1E2-3014-FB6D-487A90E6075D}"/>
+              <a:t>Separation of functions</a:t>
+            </a:r>
+          </a:p>
+          <a:p>
+            <a:pPr marL="285750" indent="-285750">
+              <a:buFont typeface="Arial" panose="020B0604020202020204" pitchFamily="34" charset="0"/>
+              <a:buChar char="•"/>
+            </a:pPr>
+            <a:r>
+              <a:rPr lang="en-GB" dirty="0"/>
+              <a:t>Testing coverage</a:t>
+            </a:r>
+          </a:p>
+        </p:txBody>
+      </p:sp>
+      <p:sp>
+        <p:nvSpPr>
+          <p:cNvPr id="8" name="Text Placeholder 7">
+            <a:extLst>
+              <a:ext uri="{FF2B5EF4-FFF2-40B4-BE49-F238E27FC236}">
+                <a16:creationId xmlns:a16="http://schemas.microsoft.com/office/drawing/2014/main" id="{E079D67F-3BB7-2885-FEFD-CA3DAF9C6983}"/>
               </a:ext>
             </a:extLst>
           </p:cNvPr>
@@ -6187,6 +6164,69 @@
             <a:spLocks noGrp="1"/>
           </p:cNvSpPr>
           <p:nvPr>
+            <p:ph type="body" sz="quarter" idx="17"/>
+          </p:nvPr>
+        </p:nvSpPr>
+        <p:spPr>
+          <a:xfrm>
+            <a:off x="4563664" y="2550733"/>
+            <a:ext cx="3064668" cy="3894926"/>
+          </a:xfrm>
+        </p:spPr>
+        <p:txBody>
+          <a:bodyPr/>
+          <a:lstStyle/>
+          <a:p>
+            <a:r>
+              <a:rPr lang="en-GB" dirty="0"/>
+              <a:t>I can grow from…</a:t>
+            </a:r>
+          </a:p>
+          <a:p>
+            <a:endParaRPr lang="en-GB" dirty="0"/>
+          </a:p>
+          <a:p>
+            <a:pPr marL="285750" indent="-285750">
+              <a:buFont typeface="Arial" panose="020B0604020202020204" pitchFamily="34" charset="0"/>
+              <a:buChar char="•"/>
+            </a:pPr>
+            <a:r>
+              <a:rPr lang="en-GB" dirty="0"/>
+              <a:t>Balancing time and expectations</a:t>
+            </a:r>
+          </a:p>
+          <a:p>
+            <a:pPr marL="285750" indent="-285750">
+              <a:buFont typeface="Arial" panose="020B0604020202020204" pitchFamily="34" charset="0"/>
+              <a:buChar char="•"/>
+            </a:pPr>
+            <a:r>
+              <a:rPr lang="en-GB" dirty="0"/>
+              <a:t>Taking time to consider solutions</a:t>
+            </a:r>
+          </a:p>
+          <a:p>
+            <a:pPr marL="285750" indent="-285750">
+              <a:buFont typeface="Arial" panose="020B0604020202020204" pitchFamily="34" charset="0"/>
+              <a:buChar char="•"/>
+            </a:pPr>
+            <a:endParaRPr lang="en-GB" dirty="0"/>
+          </a:p>
+        </p:txBody>
+      </p:sp>
+      <p:sp>
+        <p:nvSpPr>
+          <p:cNvPr id="9" name="Text Placeholder 8">
+            <a:extLst>
+              <a:ext uri="{FF2B5EF4-FFF2-40B4-BE49-F238E27FC236}">
+                <a16:creationId xmlns:a16="http://schemas.microsoft.com/office/drawing/2014/main" id="{068F1CAD-E1E2-3014-FB6D-487A90E6075D}"/>
+              </a:ext>
+            </a:extLst>
+          </p:cNvPr>
+          <p:cNvSpPr>
+            <a:spLocks noGrp="1"/>
+          </p:cNvSpPr>
+          <p:nvPr>
             <p:ph type="body" sz="quarter" idx="18"/>
           </p:nvPr>
         </p:nvSpPr>
@@ -6209,9 +6249,33 @@
             <a:endParaRPr lang="en-GB" dirty="0"/>
           </a:p>
           <a:p>
+            <a:pPr marL="285750" indent="-285750">
+              <a:buFont typeface="Arial" panose="020B0604020202020204" pitchFamily="34" charset="0"/>
+              <a:buChar char="•"/>
+            </a:pPr>
             <a:r>
               <a:rPr lang="en-GB" dirty="0"/>
-              <a:t>Example</a:t>
+              <a:t>Introduction of SMTP protocol</a:t>
+            </a:r>
+          </a:p>
+          <a:p>
+            <a:pPr marL="285750" indent="-285750">
+              <a:buFont typeface="Arial" panose="020B0604020202020204" pitchFamily="34" charset="0"/>
+              <a:buChar char="•"/>
+            </a:pPr>
+            <a:r>
+              <a:rPr lang="en-GB" dirty="0"/>
+              <a:t>Expansion of response options</a:t>
+            </a:r>
+          </a:p>
+          <a:p>
+            <a:pPr marL="285750" indent="-285750">
+              <a:buFont typeface="Arial" panose="020B0604020202020204" pitchFamily="34" charset="0"/>
+              <a:buChar char="•"/>
+            </a:pPr>
+            <a:r>
+              <a:rPr lang="en-GB" dirty="0"/>
+              <a:t>Party entity</a:t>
             </a:r>
           </a:p>
         </p:txBody>
